--- a/以太坊教程/课件/8_1_MPT.pptx
+++ b/以太坊教程/课件/8_1_MPT.pptx
@@ -215,7 +215,7 @@
           <a:p>
             <a:fld id="{31A2A103-01E9-406E-AEF1-210DF53BAA37}" type="datetimeFigureOut">
               <a:rPr lang="zh-CN" altLang="en-US" smtClean="0"/>
-              <a:t>2018/11/3</a:t>
+              <a:t>2018/11/29</a:t>
             </a:fld>
             <a:endParaRPr lang="zh-CN" altLang="en-US"/>
           </a:p>
@@ -2529,7 +2529,7 @@
           <a:p>
             <a:fld id="{530820CF-B880-4189-942D-D702A7CBA730}" type="datetimeFigureOut">
               <a:rPr lang="zh-CN" altLang="en-US" smtClean="0"/>
-              <a:t>2018/11/3</a:t>
+              <a:t>2018/11/29</a:t>
             </a:fld>
             <a:endParaRPr lang="zh-CN" altLang="en-US"/>
           </a:p>
@@ -2694,7 +2694,7 @@
           <a:p>
             <a:fld id="{530820CF-B880-4189-942D-D702A7CBA730}" type="datetimeFigureOut">
               <a:rPr lang="zh-CN" altLang="en-US" smtClean="0"/>
-              <a:t>2018/11/3</a:t>
+              <a:t>2018/11/29</a:t>
             </a:fld>
             <a:endParaRPr lang="zh-CN" altLang="en-US"/>
           </a:p>
@@ -2869,7 +2869,7 @@
           <a:p>
             <a:fld id="{530820CF-B880-4189-942D-D702A7CBA730}" type="datetimeFigureOut">
               <a:rPr lang="zh-CN" altLang="en-US" smtClean="0"/>
-              <a:t>2018/11/3</a:t>
+              <a:t>2018/11/29</a:t>
             </a:fld>
             <a:endParaRPr lang="zh-CN" altLang="en-US"/>
           </a:p>
@@ -3034,7 +3034,7 @@
           <a:p>
             <a:fld id="{530820CF-B880-4189-942D-D702A7CBA730}" type="datetimeFigureOut">
               <a:rPr lang="zh-CN" altLang="en-US" smtClean="0"/>
-              <a:t>2018/11/3</a:t>
+              <a:t>2018/11/29</a:t>
             </a:fld>
             <a:endParaRPr lang="zh-CN" altLang="en-US"/>
           </a:p>
@@ -3275,7 +3275,7 @@
           <a:p>
             <a:fld id="{530820CF-B880-4189-942D-D702A7CBA730}" type="datetimeFigureOut">
               <a:rPr lang="zh-CN" altLang="en-US" smtClean="0"/>
-              <a:t>2018/11/3</a:t>
+              <a:t>2018/11/29</a:t>
             </a:fld>
             <a:endParaRPr lang="zh-CN" altLang="en-US"/>
           </a:p>
@@ -3558,7 +3558,7 @@
           <a:p>
             <a:fld id="{530820CF-B880-4189-942D-D702A7CBA730}" type="datetimeFigureOut">
               <a:rPr lang="zh-CN" altLang="en-US" smtClean="0"/>
-              <a:t>2018/11/3</a:t>
+              <a:t>2018/11/29</a:t>
             </a:fld>
             <a:endParaRPr lang="zh-CN" altLang="en-US"/>
           </a:p>
@@ -3975,7 +3975,7 @@
           <a:p>
             <a:fld id="{530820CF-B880-4189-942D-D702A7CBA730}" type="datetimeFigureOut">
               <a:rPr lang="zh-CN" altLang="en-US" smtClean="0"/>
-              <a:t>2018/11/3</a:t>
+              <a:t>2018/11/29</a:t>
             </a:fld>
             <a:endParaRPr lang="zh-CN" altLang="en-US"/>
           </a:p>
@@ -4088,7 +4088,7 @@
           <a:p>
             <a:fld id="{530820CF-B880-4189-942D-D702A7CBA730}" type="datetimeFigureOut">
               <a:rPr lang="zh-CN" altLang="en-US" smtClean="0"/>
-              <a:t>2018/11/3</a:t>
+              <a:t>2018/11/29</a:t>
             </a:fld>
             <a:endParaRPr lang="zh-CN" altLang="en-US"/>
           </a:p>
@@ -4178,7 +4178,7 @@
           <a:p>
             <a:fld id="{530820CF-B880-4189-942D-D702A7CBA730}" type="datetimeFigureOut">
               <a:rPr lang="zh-CN" altLang="en-US" smtClean="0"/>
-              <a:t>2018/11/3</a:t>
+              <a:t>2018/11/29</a:t>
             </a:fld>
             <a:endParaRPr lang="zh-CN" altLang="en-US"/>
           </a:p>
@@ -4450,7 +4450,7 @@
           <a:p>
             <a:fld id="{530820CF-B880-4189-942D-D702A7CBA730}" type="datetimeFigureOut">
               <a:rPr lang="zh-CN" altLang="en-US" smtClean="0"/>
-              <a:t>2018/11/3</a:t>
+              <a:t>2018/11/29</a:t>
             </a:fld>
             <a:endParaRPr lang="zh-CN" altLang="en-US"/>
           </a:p>
@@ -4698,7 +4698,7 @@
           <a:p>
             <a:fld id="{530820CF-B880-4189-942D-D702A7CBA730}" type="datetimeFigureOut">
               <a:rPr lang="zh-CN" altLang="en-US" smtClean="0"/>
-              <a:t>2018/11/3</a:t>
+              <a:t>2018/11/29</a:t>
             </a:fld>
             <a:endParaRPr lang="zh-CN" altLang="en-US"/>
           </a:p>
@@ -4758,9 +4758,18 @@
 <p:sldMaster xmlns:a="http://schemas.openxmlformats.org/drawingml/2006/main" xmlns:r="http://schemas.openxmlformats.org/officeDocument/2006/relationships" xmlns:p="http://schemas.openxmlformats.org/presentationml/2006/main">
   <p:cSld>
     <p:bg>
-      <p:bgRef idx="1001">
-        <a:schemeClr val="bg1"/>
-      </p:bgRef>
+      <p:bgPr>
+        <a:blipFill dpi="0" rotWithShape="1">
+          <a:blip r:embed="rId13">
+            <a:lum/>
+          </a:blip>
+          <a:srcRect/>
+          <a:stretch>
+            <a:fillRect/>
+          </a:stretch>
+        </a:blipFill>
+        <a:effectLst/>
+      </p:bgPr>
     </p:bg>
     <p:spTree>
       <p:nvGrpSpPr>
@@ -4906,7 +4915,7 @@
           <a:p>
             <a:fld id="{530820CF-B880-4189-942D-D702A7CBA730}" type="datetimeFigureOut">
               <a:rPr lang="zh-CN" altLang="en-US" smtClean="0"/>
-              <a:t>2018/11/3</a:t>
+              <a:t>2018/11/29</a:t>
             </a:fld>
             <a:endParaRPr lang="zh-CN" altLang="en-US"/>
           </a:p>
@@ -5454,55 +5463,62 @@
             <p:ph type="title"/>
           </p:nvPr>
         </p:nvSpPr>
-        <p:spPr/>
+        <p:spPr>
+          <a:xfrm>
+            <a:off x="457200" y="404664"/>
+            <a:ext cx="8229600" cy="1143000"/>
+          </a:xfrm>
+        </p:spPr>
         <p:txBody>
-          <a:bodyPr/>
+          <a:bodyPr>
+            <a:normAutofit/>
+          </a:bodyPr>
           <a:lstStyle/>
           <a:p>
             <a:pPr algn="l"/>
             <a:r>
-              <a:rPr lang="en-US" altLang="zh-CN" smtClean="0">
+              <a:rPr lang="en-US" altLang="zh-CN" sz="3600" smtClean="0">
                 <a:latin typeface="微软雅黑 Light" pitchFamily="34" charset="-122"/>
                 <a:ea typeface="微软雅黑 Light" pitchFamily="34" charset="-122"/>
               </a:rPr>
               <a:t>  </a:t>
             </a:r>
             <a:r>
-              <a:rPr lang="zh-CN" altLang="en-US">
+              <a:rPr lang="zh-CN" altLang="en-US" sz="3600">
                 <a:latin typeface="微软雅黑 Light" pitchFamily="34" charset="-122"/>
                 <a:ea typeface="微软雅黑 Light" pitchFamily="34" charset="-122"/>
               </a:rPr>
               <a:t>帕特里夏</a:t>
             </a:r>
             <a:r>
-              <a:rPr lang="zh-CN" altLang="en-US" smtClean="0">
+              <a:rPr lang="zh-CN" altLang="en-US" sz="3600" smtClean="0">
                 <a:latin typeface="微软雅黑 Light" pitchFamily="34" charset="-122"/>
                 <a:ea typeface="微软雅黑 Light" pitchFamily="34" charset="-122"/>
               </a:rPr>
               <a:t>树（</a:t>
             </a:r>
             <a:r>
-              <a:rPr lang="en-US" altLang="zh-CN">
+              <a:rPr lang="en-US" altLang="zh-CN" sz="3600">
                 <a:latin typeface="微软雅黑 Light" pitchFamily="34" charset="-122"/>
                 <a:ea typeface="微软雅黑 Light" pitchFamily="34" charset="-122"/>
               </a:rPr>
               <a:t>Patricia</a:t>
             </a:r>
             <a:r>
-              <a:rPr lang="en-US" altLang="zh-CN" smtClean="0">
+              <a:rPr lang="en-US" altLang="zh-CN" sz="3600" smtClean="0">
                 <a:latin typeface="微软雅黑 Light" pitchFamily="34" charset="-122"/>
                 <a:ea typeface="微软雅黑 Light" pitchFamily="34" charset="-122"/>
               </a:rPr>
               <a:t> Tree</a:t>
             </a:r>
             <a:r>
-              <a:rPr lang="zh-CN" altLang="en-US" smtClean="0">
+              <a:rPr lang="zh-CN" altLang="en-US" sz="3600" smtClean="0">
                 <a:latin typeface="微软雅黑 Light" pitchFamily="34" charset="-122"/>
                 <a:ea typeface="微软雅黑 Light" pitchFamily="34" charset="-122"/>
               </a:rPr>
               <a:t>）</a:t>
             </a:r>
-            <a:endParaRPr lang="zh-CN" altLang="en-US" dirty="0">
+            <a:endParaRPr lang="zh-CN" altLang="en-US" sz="3600" dirty="0">
               <a:latin typeface="微软雅黑 Light" pitchFamily="34" charset="-122"/>
               <a:ea typeface="微软雅黑 Light" pitchFamily="34" charset="-122"/>
             </a:endParaRPr>
@@ -5751,41 +5767,48 @@
             <p:ph type="title"/>
           </p:nvPr>
         </p:nvSpPr>
-        <p:spPr/>
+        <p:spPr>
+          <a:xfrm>
+            <a:off x="457200" y="413792"/>
+            <a:ext cx="8229600" cy="1143000"/>
+          </a:xfrm>
+        </p:spPr>
         <p:txBody>
-          <a:bodyPr/>
+          <a:bodyPr>
+            <a:normAutofit/>
+          </a:bodyPr>
           <a:lstStyle/>
           <a:p>
             <a:pPr algn="l"/>
             <a:r>
-              <a:rPr lang="en-US" altLang="zh-CN" smtClean="0">
+              <a:rPr lang="en-US" altLang="zh-CN" sz="3600" smtClean="0">
                 <a:latin typeface="微软雅黑 Light" pitchFamily="34" charset="-122"/>
                 <a:ea typeface="微软雅黑 Light" pitchFamily="34" charset="-122"/>
               </a:rPr>
               <a:t>  MPT</a:t>
             </a:r>
             <a:r>
-              <a:rPr lang="zh-CN" altLang="en-US" smtClean="0">
+              <a:rPr lang="zh-CN" altLang="en-US" sz="3600" smtClean="0">
                 <a:latin typeface="微软雅黑 Light" pitchFamily="34" charset="-122"/>
                 <a:ea typeface="微软雅黑 Light" pitchFamily="34" charset="-122"/>
               </a:rPr>
               <a:t>（</a:t>
             </a:r>
             <a:r>
-              <a:rPr lang="en-US" altLang="zh-CN" smtClean="0">
+              <a:rPr lang="en-US" altLang="zh-CN" sz="3600" smtClean="0">
                 <a:latin typeface="微软雅黑 Light" pitchFamily="34" charset="-122"/>
                 <a:ea typeface="微软雅黑 Light" pitchFamily="34" charset="-122"/>
               </a:rPr>
               <a:t>Merkel Patricia Tree</a:t>
             </a:r>
             <a:r>
-              <a:rPr lang="zh-CN" altLang="en-US" smtClean="0">
+              <a:rPr lang="zh-CN" altLang="en-US" sz="3600" smtClean="0">
                 <a:latin typeface="微软雅黑 Light" pitchFamily="34" charset="-122"/>
                 <a:ea typeface="微软雅黑 Light" pitchFamily="34" charset="-122"/>
               </a:rPr>
               <a:t>）</a:t>
             </a:r>
-            <a:endParaRPr lang="zh-CN" altLang="en-US" dirty="0">
+            <a:endParaRPr lang="zh-CN" altLang="en-US" sz="3600" dirty="0">
               <a:latin typeface="微软雅黑 Light" pitchFamily="34" charset="-122"/>
               <a:ea typeface="微软雅黑 Light" pitchFamily="34" charset="-122"/>
             </a:endParaRPr>
@@ -6058,27 +6081,34 @@
             <p:ph type="title"/>
           </p:nvPr>
         </p:nvSpPr>
-        <p:spPr/>
+        <p:spPr>
+          <a:xfrm>
+            <a:off x="457200" y="413792"/>
+            <a:ext cx="8229600" cy="1143000"/>
+          </a:xfrm>
+        </p:spPr>
         <p:txBody>
-          <a:bodyPr/>
+          <a:bodyPr>
+            <a:normAutofit/>
+          </a:bodyPr>
           <a:lstStyle/>
           <a:p>
             <a:pPr algn="l"/>
             <a:r>
-              <a:rPr lang="en-US" altLang="zh-CN" smtClean="0">
+              <a:rPr lang="en-US" altLang="zh-CN" sz="3600" smtClean="0">
                 <a:latin typeface="微软雅黑 Light" pitchFamily="34" charset="-122"/>
                 <a:ea typeface="微软雅黑 Light" pitchFamily="34" charset="-122"/>
               </a:rPr>
               <a:t>  MPT </a:t>
             </a:r>
             <a:r>
-              <a:rPr lang="zh-CN" altLang="en-US" smtClean="0">
+              <a:rPr lang="zh-CN" altLang="en-US" sz="3600" smtClean="0">
                 <a:latin typeface="微软雅黑 Light" pitchFamily="34" charset="-122"/>
                 <a:ea typeface="微软雅黑 Light" pitchFamily="34" charset="-122"/>
               </a:rPr>
               <a:t>节点分类</a:t>
             </a:r>
-            <a:endParaRPr lang="zh-CN" altLang="en-US" dirty="0">
+            <a:endParaRPr lang="zh-CN" altLang="en-US" sz="3600" dirty="0">
               <a:latin typeface="微软雅黑 Light" pitchFamily="34" charset="-122"/>
               <a:ea typeface="微软雅黑 Light" pitchFamily="34" charset="-122"/>
             </a:endParaRPr>
@@ -6335,27 +6365,34 @@
             <p:ph type="title"/>
           </p:nvPr>
         </p:nvSpPr>
-        <p:spPr/>
+        <p:spPr>
+          <a:xfrm>
+            <a:off x="457200" y="413792"/>
+            <a:ext cx="8229600" cy="1143000"/>
+          </a:xfrm>
+        </p:spPr>
         <p:txBody>
-          <a:bodyPr/>
+          <a:bodyPr>
+            <a:normAutofit/>
+          </a:bodyPr>
           <a:lstStyle/>
           <a:p>
             <a:pPr algn="l"/>
             <a:r>
-              <a:rPr lang="en-US" altLang="zh-CN" smtClean="0">
+              <a:rPr lang="en-US" altLang="zh-CN" sz="3600" smtClean="0">
                 <a:latin typeface="微软雅黑 Light" pitchFamily="34" charset="-122"/>
                 <a:ea typeface="微软雅黑 Light" pitchFamily="34" charset="-122"/>
               </a:rPr>
               <a:t>  MPT </a:t>
             </a:r>
             <a:r>
-              <a:rPr lang="zh-CN" altLang="en-US" smtClean="0">
+              <a:rPr lang="zh-CN" altLang="en-US" sz="3600" smtClean="0">
                 <a:latin typeface="微软雅黑 Light" pitchFamily="34" charset="-122"/>
                 <a:ea typeface="微软雅黑 Light" pitchFamily="34" charset="-122"/>
               </a:rPr>
               <a:t>中数据结构的优化</a:t>
             </a:r>
-            <a:endParaRPr lang="zh-CN" altLang="en-US" dirty="0">
+            <a:endParaRPr lang="zh-CN" altLang="en-US" sz="3600" dirty="0">
               <a:latin typeface="微软雅黑 Light" pitchFamily="34" charset="-122"/>
               <a:ea typeface="微软雅黑 Light" pitchFamily="34" charset="-122"/>
             </a:endParaRPr>
@@ -6374,7 +6411,7 @@
         </p:nvSpPr>
         <p:spPr>
           <a:xfrm>
-            <a:off x="457200" y="1340768"/>
+            <a:off x="457200" y="1268760"/>
             <a:ext cx="8229600" cy="5256584"/>
           </a:xfrm>
         </p:spPr>
@@ -6578,7 +6615,7 @@
         </p:nvSpPr>
         <p:spPr>
           <a:xfrm>
-            <a:off x="827584" y="2220793"/>
+            <a:off x="971600" y="2668850"/>
             <a:ext cx="648072" cy="400110"/>
           </a:xfrm>
           <a:prstGeom prst="rect">
@@ -6609,13 +6646,13 @@
           <p:nvPr>
             <p:extLst>
               <p:ext uri="{D42A27DB-BD31-4B8C-83A1-F6EECF244321}">
-                <p14:modId xmlns:p14="http://schemas.microsoft.com/office/powerpoint/2010/main" val="3487737334"/>
+                <p14:modId xmlns:p14="http://schemas.microsoft.com/office/powerpoint/2010/main" val="516959612"/>
               </p:ext>
             </p:extLst>
           </p:nvPr>
         </p:nvGraphicFramePr>
         <p:xfrm>
-          <a:off x="3680900" y="3948985"/>
+          <a:off x="3824916" y="4397042"/>
           <a:ext cx="2115236" cy="365760"/>
         </p:xfrm>
         <a:graphic>
@@ -6742,7 +6779,7 @@
         </p:nvSpPr>
         <p:spPr>
           <a:xfrm>
-            <a:off x="2829998" y="3948985"/>
+            <a:off x="2974014" y="4397042"/>
             <a:ext cx="648072" cy="400110"/>
           </a:xfrm>
           <a:prstGeom prst="rect">
@@ -6776,7 +6813,7 @@
         </p:nvSpPr>
         <p:spPr>
           <a:xfrm>
-            <a:off x="457200" y="274638"/>
+            <a:off x="457200" y="629816"/>
             <a:ext cx="8229600" cy="1143000"/>
           </a:xfrm>
         </p:spPr>
@@ -6831,13 +6868,13 @@
             <p:ph idx="1"/>
             <p:extLst>
               <p:ext uri="{D42A27DB-BD31-4B8C-83A1-F6EECF244321}">
-                <p14:modId xmlns:p14="http://schemas.microsoft.com/office/powerpoint/2010/main" val="3063612242"/>
+                <p14:modId xmlns:p14="http://schemas.microsoft.com/office/powerpoint/2010/main" val="2924796217"/>
               </p:ext>
             </p:extLst>
           </p:nvPr>
         </p:nvGraphicFramePr>
         <p:xfrm>
-          <a:off x="2051720" y="1988840"/>
+          <a:off x="2195736" y="2436897"/>
           <a:ext cx="5544616" cy="741680"/>
         </p:xfrm>
         <a:graphic>
@@ -8496,7 +8533,7 @@
         </p:nvSpPr>
         <p:spPr>
           <a:xfrm>
-            <a:off x="4328356" y="3090446"/>
+            <a:off x="4472372" y="3538503"/>
             <a:ext cx="459668" cy="338554"/>
           </a:xfrm>
           <a:prstGeom prst="rect">
@@ -8527,7 +8564,7 @@
         </p:nvCxnSpPr>
         <p:spPr>
           <a:xfrm>
-            <a:off x="3995936" y="2492896"/>
+            <a:off x="4139952" y="2940953"/>
             <a:ext cx="866418" cy="1456089"/>
           </a:xfrm>
           <a:prstGeom prst="straightConnector1">
@@ -8600,48 +8637,55 @@
             <p:ph type="title"/>
           </p:nvPr>
         </p:nvSpPr>
-        <p:spPr/>
+        <p:spPr>
+          <a:xfrm>
+            <a:off x="457200" y="413792"/>
+            <a:ext cx="8229600" cy="1143000"/>
+          </a:xfrm>
+        </p:spPr>
         <p:txBody>
-          <a:bodyPr/>
+          <a:bodyPr>
+            <a:normAutofit/>
+          </a:bodyPr>
           <a:lstStyle/>
           <a:p>
             <a:pPr algn="l"/>
             <a:r>
-              <a:rPr lang="en-US" altLang="zh-CN" smtClean="0">
+              <a:rPr lang="en-US" altLang="zh-CN" sz="3600" smtClean="0">
                 <a:latin typeface="微软雅黑 Light" pitchFamily="34" charset="-122"/>
                 <a:ea typeface="微软雅黑 Light" pitchFamily="34" charset="-122"/>
               </a:rPr>
               <a:t>  </a:t>
             </a:r>
             <a:r>
-              <a:rPr lang="zh-CN" altLang="en-US">
+              <a:rPr lang="zh-CN" altLang="en-US" sz="3600">
                 <a:latin typeface="微软雅黑 Light" pitchFamily="34" charset="-122"/>
                 <a:ea typeface="微软雅黑 Light" pitchFamily="34" charset="-122"/>
               </a:rPr>
               <a:t>紧凑</a:t>
             </a:r>
             <a:r>
-              <a:rPr lang="zh-CN" altLang="en-US" smtClean="0">
+              <a:rPr lang="zh-CN" altLang="en-US" sz="3600" smtClean="0">
                 <a:latin typeface="微软雅黑 Light" pitchFamily="34" charset="-122"/>
                 <a:ea typeface="微软雅黑 Light" pitchFamily="34" charset="-122"/>
               </a:rPr>
               <a:t>编码（</a:t>
             </a:r>
             <a:r>
-              <a:rPr lang="en-US" altLang="zh-CN" smtClean="0">
+              <a:rPr lang="en-US" altLang="zh-CN" sz="3600" smtClean="0">
                 <a:latin typeface="微软雅黑 Light" pitchFamily="34" charset="-122"/>
                 <a:ea typeface="微软雅黑 Light" pitchFamily="34" charset="-122"/>
               </a:rPr>
               <a:t>compact coding</a:t>
             </a:r>
             <a:r>
-              <a:rPr lang="zh-CN" altLang="en-US" smtClean="0">
+              <a:rPr lang="zh-CN" altLang="en-US" sz="3600" smtClean="0">
                 <a:latin typeface="微软雅黑 Light" pitchFamily="34" charset="-122"/>
                 <a:ea typeface="微软雅黑 Light" pitchFamily="34" charset="-122"/>
               </a:rPr>
               <a:t>）</a:t>
             </a:r>
-            <a:endParaRPr lang="zh-CN" altLang="en-US" dirty="0">
+            <a:endParaRPr lang="zh-CN" altLang="en-US" sz="3600" dirty="0">
               <a:latin typeface="微软雅黑 Light" pitchFamily="34" charset="-122"/>
               <a:ea typeface="微软雅黑 Light" pitchFamily="34" charset="-122"/>
             </a:endParaRPr>
@@ -8838,27 +8882,34 @@
             <p:ph type="title"/>
           </p:nvPr>
         </p:nvSpPr>
-        <p:spPr/>
+        <p:spPr>
+          <a:xfrm>
+            <a:off x="457200" y="413792"/>
+            <a:ext cx="8229600" cy="1143000"/>
+          </a:xfrm>
+        </p:spPr>
         <p:txBody>
-          <a:bodyPr/>
+          <a:bodyPr>
+            <a:normAutofit/>
+          </a:bodyPr>
           <a:lstStyle/>
           <a:p>
             <a:pPr algn="l"/>
             <a:r>
-              <a:rPr lang="en-US" altLang="zh-CN" smtClean="0">
+              <a:rPr lang="en-US" altLang="zh-CN" sz="3600" smtClean="0">
                 <a:latin typeface="微软雅黑 Light" pitchFamily="34" charset="-122"/>
                 <a:ea typeface="微软雅黑 Light" pitchFamily="34" charset="-122"/>
               </a:rPr>
               <a:t>  Hex </a:t>
             </a:r>
             <a:r>
-              <a:rPr lang="zh-CN" altLang="en-US" smtClean="0">
+              <a:rPr lang="zh-CN" altLang="en-US" sz="3600" smtClean="0">
                 <a:latin typeface="微软雅黑 Light" pitchFamily="34" charset="-122"/>
                 <a:ea typeface="微软雅黑 Light" pitchFamily="34" charset="-122"/>
               </a:rPr>
               <a:t>序列的压缩编码规则</a:t>
             </a:r>
-            <a:endParaRPr lang="zh-CN" altLang="en-US" dirty="0">
+            <a:endParaRPr lang="zh-CN" altLang="en-US" sz="3600" dirty="0">
               <a:latin typeface="微软雅黑 Light" pitchFamily="34" charset="-122"/>
               <a:ea typeface="微软雅黑 Light" pitchFamily="34" charset="-122"/>
             </a:endParaRPr>
@@ -9430,27 +9481,34 @@
             <p:ph type="title"/>
           </p:nvPr>
         </p:nvSpPr>
-        <p:spPr/>
+        <p:spPr>
+          <a:xfrm>
+            <a:off x="457200" y="413792"/>
+            <a:ext cx="8229600" cy="1143000"/>
+          </a:xfrm>
+        </p:spPr>
         <p:txBody>
-          <a:bodyPr/>
+          <a:bodyPr>
+            <a:normAutofit/>
+          </a:bodyPr>
           <a:lstStyle/>
           <a:p>
             <a:pPr algn="l"/>
             <a:r>
-              <a:rPr lang="en-US" altLang="zh-CN" smtClean="0">
+              <a:rPr lang="en-US" altLang="zh-CN" sz="3600" smtClean="0">
                 <a:latin typeface="微软雅黑 Light" pitchFamily="34" charset="-122"/>
                 <a:ea typeface="微软雅黑 Light" pitchFamily="34" charset="-122"/>
               </a:rPr>
               <a:t>  </a:t>
             </a:r>
             <a:r>
-              <a:rPr lang="zh-CN" altLang="en-US" smtClean="0">
+              <a:rPr lang="zh-CN" altLang="en-US" sz="3600" smtClean="0">
                 <a:latin typeface="微软雅黑 Light" pitchFamily="34" charset="-122"/>
                 <a:ea typeface="微软雅黑 Light" pitchFamily="34" charset="-122"/>
               </a:rPr>
               <a:t>编码示例</a:t>
             </a:r>
-            <a:endParaRPr lang="zh-CN" altLang="en-US" dirty="0">
+            <a:endParaRPr lang="zh-CN" altLang="en-US" sz="3600" dirty="0">
               <a:latin typeface="微软雅黑 Light" pitchFamily="34" charset="-122"/>
               <a:ea typeface="微软雅黑 Light" pitchFamily="34" charset="-122"/>
             </a:endParaRPr>
@@ -9694,27 +9752,34 @@
             <p:ph type="title"/>
           </p:nvPr>
         </p:nvSpPr>
-        <p:spPr/>
+        <p:spPr>
+          <a:xfrm>
+            <a:off x="457200" y="413792"/>
+            <a:ext cx="8229600" cy="1143000"/>
+          </a:xfrm>
+        </p:spPr>
         <p:txBody>
-          <a:bodyPr/>
+          <a:bodyPr>
+            <a:normAutofit/>
+          </a:bodyPr>
           <a:lstStyle/>
           <a:p>
             <a:pPr algn="l"/>
             <a:r>
-              <a:rPr lang="en-US" altLang="zh-CN" smtClean="0">
+              <a:rPr lang="en-US" altLang="zh-CN" sz="3600" smtClean="0">
                 <a:latin typeface="微软雅黑 Light" pitchFamily="34" charset="-122"/>
                 <a:ea typeface="微软雅黑 Light" pitchFamily="34" charset="-122"/>
               </a:rPr>
               <a:t>  MPT </a:t>
             </a:r>
             <a:r>
-              <a:rPr lang="zh-CN" altLang="en-US" smtClean="0">
+              <a:rPr lang="zh-CN" altLang="en-US" sz="3600" smtClean="0">
                 <a:latin typeface="微软雅黑 Light" pitchFamily="34" charset="-122"/>
                 <a:ea typeface="微软雅黑 Light" pitchFamily="34" charset="-122"/>
               </a:rPr>
               <a:t>树结构示例</a:t>
             </a:r>
-            <a:endParaRPr lang="zh-CN" altLang="en-US" dirty="0">
+            <a:endParaRPr lang="zh-CN" altLang="en-US" sz="3600" dirty="0">
               <a:latin typeface="微软雅黑 Light" pitchFamily="34" charset="-122"/>
               <a:ea typeface="微软雅黑 Light" pitchFamily="34" charset="-122"/>
             </a:endParaRPr>
@@ -9733,7 +9798,7 @@
         </p:nvSpPr>
         <p:spPr>
           <a:xfrm>
-            <a:off x="457200" y="1340768"/>
+            <a:off x="457200" y="1272080"/>
             <a:ext cx="8229600" cy="5517232"/>
           </a:xfrm>
         </p:spPr>
@@ -10081,25 +10146,6 @@
       </p:grpSpPr>
       <p:sp>
         <p:nvSpPr>
-          <p:cNvPr id="2" name="标题 1"/>
-          <p:cNvSpPr>
-            <a:spLocks noGrp="1"/>
-          </p:cNvSpPr>
-          <p:nvPr>
-            <p:ph type="title"/>
-          </p:nvPr>
-        </p:nvSpPr>
-        <p:spPr/>
-        <p:txBody>
-          <a:bodyPr/>
-          <a:lstStyle/>
-          <a:p>
-            <a:endParaRPr lang="zh-CN" altLang="en-US"/>
-          </a:p>
-        </p:txBody>
-      </p:sp>
-      <p:sp>
-        <p:nvSpPr>
           <p:cNvPr id="3" name="内容占位符 2"/>
           <p:cNvSpPr>
             <a:spLocks noGrp="1"/>
@@ -10140,8 +10186,8 @@
         </p:blipFill>
         <p:spPr bwMode="auto">
           <a:xfrm>
-            <a:off x="0" y="63968"/>
-            <a:ext cx="9144000" cy="6461376"/>
+            <a:off x="140937" y="584776"/>
+            <a:ext cx="8865663" cy="6264696"/>
           </a:xfrm>
           <a:prstGeom prst="rect">
             <a:avLst/>
@@ -10205,27 +10251,34 @@
             <p:ph type="title"/>
           </p:nvPr>
         </p:nvSpPr>
-        <p:spPr/>
+        <p:spPr>
+          <a:xfrm>
+            <a:off x="457200" y="485800"/>
+            <a:ext cx="8229600" cy="1143000"/>
+          </a:xfrm>
+        </p:spPr>
         <p:txBody>
-          <a:bodyPr/>
+          <a:bodyPr>
+            <a:normAutofit/>
+          </a:bodyPr>
           <a:lstStyle/>
           <a:p>
             <a:pPr algn="l"/>
             <a:r>
-              <a:rPr lang="en-US" altLang="zh-CN" smtClean="0">
+              <a:rPr lang="en-US" altLang="zh-CN" sz="3600" smtClean="0">
                 <a:latin typeface="微软雅黑 Light" pitchFamily="34" charset="-122"/>
                 <a:ea typeface="微软雅黑 Light" pitchFamily="34" charset="-122"/>
               </a:rPr>
               <a:t>  MPT</a:t>
             </a:r>
             <a:r>
-              <a:rPr lang="zh-CN" altLang="en-US" smtClean="0">
+              <a:rPr lang="zh-CN" altLang="en-US" sz="3600" smtClean="0">
                 <a:latin typeface="微软雅黑 Light" pitchFamily="34" charset="-122"/>
                 <a:ea typeface="微软雅黑 Light" pitchFamily="34" charset="-122"/>
               </a:rPr>
               <a:t>是什么</a:t>
             </a:r>
-            <a:endParaRPr lang="zh-CN" altLang="en-US" dirty="0">
+            <a:endParaRPr lang="zh-CN" altLang="en-US" sz="3600" dirty="0">
               <a:latin typeface="微软雅黑 Light" pitchFamily="34" charset="-122"/>
               <a:ea typeface="微软雅黑 Light" pitchFamily="34" charset="-122"/>
             </a:endParaRPr>
@@ -10414,34 +10467,41 @@
             <p:ph type="title"/>
           </p:nvPr>
         </p:nvSpPr>
-        <p:spPr/>
+        <p:spPr>
+          <a:xfrm>
+            <a:off x="457200" y="485800"/>
+            <a:ext cx="8229600" cy="1143000"/>
+          </a:xfrm>
+        </p:spPr>
         <p:txBody>
-          <a:bodyPr/>
+          <a:bodyPr>
+            <a:normAutofit/>
+          </a:bodyPr>
           <a:lstStyle/>
           <a:p>
             <a:pPr algn="l"/>
             <a:r>
-              <a:rPr lang="en-US" altLang="zh-CN" smtClean="0">
+              <a:rPr lang="en-US" altLang="zh-CN" sz="3600" smtClean="0">
                 <a:latin typeface="微软雅黑 Light" pitchFamily="34" charset="-122"/>
                 <a:ea typeface="微软雅黑 Light" pitchFamily="34" charset="-122"/>
               </a:rPr>
               <a:t>  </a:t>
             </a:r>
             <a:r>
-              <a:rPr lang="zh-CN" altLang="en-US">
+              <a:rPr lang="zh-CN" altLang="en-US" sz="3600">
                 <a:latin typeface="微软雅黑 Light" pitchFamily="34" charset="-122"/>
                 <a:ea typeface="微软雅黑 Light" pitchFamily="34" charset="-122"/>
               </a:rPr>
               <a:t>以太</a:t>
             </a:r>
             <a:r>
-              <a:rPr lang="zh-CN" altLang="en-US" smtClean="0">
+              <a:rPr lang="zh-CN" altLang="en-US" sz="3600" smtClean="0">
                 <a:latin typeface="微软雅黑 Light" pitchFamily="34" charset="-122"/>
                 <a:ea typeface="微软雅黑 Light" pitchFamily="34" charset="-122"/>
               </a:rPr>
               <a:t>坊中树结构</a:t>
             </a:r>
-            <a:endParaRPr lang="zh-CN" altLang="en-US" dirty="0">
+            <a:endParaRPr lang="zh-CN" altLang="en-US" sz="3600" dirty="0">
               <a:latin typeface="微软雅黑 Light" pitchFamily="34" charset="-122"/>
               <a:ea typeface="微软雅黑 Light" pitchFamily="34" charset="-122"/>
             </a:endParaRPr>
@@ -10724,34 +10784,41 @@
             <p:ph type="title"/>
           </p:nvPr>
         </p:nvSpPr>
-        <p:spPr/>
+        <p:spPr>
+          <a:xfrm>
+            <a:off x="457200" y="413792"/>
+            <a:ext cx="8229600" cy="1143000"/>
+          </a:xfrm>
+        </p:spPr>
         <p:txBody>
-          <a:bodyPr/>
+          <a:bodyPr>
+            <a:normAutofit/>
+          </a:bodyPr>
           <a:lstStyle/>
           <a:p>
             <a:pPr algn="l"/>
             <a:r>
-              <a:rPr lang="en-US" altLang="zh-CN" smtClean="0">
+              <a:rPr lang="en-US" altLang="zh-CN" sz="3600" smtClean="0">
                 <a:latin typeface="微软雅黑 Light" pitchFamily="34" charset="-122"/>
                 <a:ea typeface="微软雅黑 Light" pitchFamily="34" charset="-122"/>
               </a:rPr>
               <a:t>  </a:t>
             </a:r>
             <a:r>
-              <a:rPr lang="zh-CN" altLang="en-US">
+              <a:rPr lang="zh-CN" altLang="en-US" sz="3600">
                 <a:latin typeface="微软雅黑 Light" pitchFamily="34" charset="-122"/>
                 <a:ea typeface="微软雅黑 Light" pitchFamily="34" charset="-122"/>
               </a:rPr>
               <a:t>以太</a:t>
             </a:r>
             <a:r>
-              <a:rPr lang="zh-CN" altLang="en-US" smtClean="0">
+              <a:rPr lang="zh-CN" altLang="en-US" sz="3600" smtClean="0">
                 <a:latin typeface="微软雅黑 Light" pitchFamily="34" charset="-122"/>
                 <a:ea typeface="微软雅黑 Light" pitchFamily="34" charset="-122"/>
               </a:rPr>
               <a:t>坊中树结构</a:t>
             </a:r>
-            <a:endParaRPr lang="zh-CN" altLang="en-US" dirty="0">
+            <a:endParaRPr lang="zh-CN" altLang="en-US" sz="3600" dirty="0">
               <a:latin typeface="微软雅黑 Light" pitchFamily="34" charset="-122"/>
               <a:ea typeface="微软雅黑 Light" pitchFamily="34" charset="-122"/>
             </a:endParaRPr>
@@ -11066,8 +11133,8 @@
         </p:blipFill>
         <p:spPr bwMode="auto">
           <a:xfrm>
-            <a:off x="723111" y="332656"/>
-            <a:ext cx="7620000" cy="6219826"/>
+            <a:off x="1155159" y="620688"/>
+            <a:ext cx="7017241" cy="5727824"/>
           </a:xfrm>
           <a:prstGeom prst="rect">
             <a:avLst/>
@@ -11210,41 +11277,48 @@
             <p:ph type="title"/>
           </p:nvPr>
         </p:nvSpPr>
-        <p:spPr/>
+        <p:spPr>
+          <a:xfrm>
+            <a:off x="457200" y="485800"/>
+            <a:ext cx="8229600" cy="1143000"/>
+          </a:xfrm>
+        </p:spPr>
         <p:txBody>
-          <a:bodyPr/>
+          <a:bodyPr>
+            <a:normAutofit/>
+          </a:bodyPr>
           <a:lstStyle/>
           <a:p>
             <a:pPr algn="l"/>
             <a:r>
-              <a:rPr lang="en-US" altLang="zh-CN" smtClean="0">
+              <a:rPr lang="en-US" altLang="zh-CN" sz="3600" smtClean="0">
                 <a:latin typeface="微软雅黑 Light" pitchFamily="34" charset="-122"/>
                 <a:ea typeface="微软雅黑 Light" pitchFamily="34" charset="-122"/>
               </a:rPr>
               <a:t>  </a:t>
             </a:r>
             <a:r>
-              <a:rPr lang="zh-CN" altLang="en-US" smtClean="0">
+              <a:rPr lang="zh-CN" altLang="en-US" sz="3600" smtClean="0">
                 <a:latin typeface="微软雅黑 Light" pitchFamily="34" charset="-122"/>
                 <a:ea typeface="微软雅黑 Light" pitchFamily="34" charset="-122"/>
               </a:rPr>
               <a:t>从字典树（</a:t>
             </a:r>
             <a:r>
-              <a:rPr lang="en-US" altLang="zh-CN">
+              <a:rPr lang="en-US" altLang="zh-CN" sz="3600">
                 <a:latin typeface="微软雅黑 Light" pitchFamily="34" charset="-122"/>
                 <a:ea typeface="微软雅黑 Light" pitchFamily="34" charset="-122"/>
               </a:rPr>
               <a:t>Trie</a:t>
             </a:r>
             <a:r>
-              <a:rPr lang="zh-CN" altLang="en-US" smtClean="0">
+              <a:rPr lang="zh-CN" altLang="en-US" sz="3600" smtClean="0">
                 <a:latin typeface="微软雅黑 Light" pitchFamily="34" charset="-122"/>
                 <a:ea typeface="微软雅黑 Light" pitchFamily="34" charset="-122"/>
               </a:rPr>
               <a:t>）说起</a:t>
             </a:r>
-            <a:endParaRPr lang="zh-CN" altLang="en-US" dirty="0">
+            <a:endParaRPr lang="zh-CN" altLang="en-US" sz="3600" dirty="0">
               <a:latin typeface="微软雅黑 Light" pitchFamily="34" charset="-122"/>
               <a:ea typeface="微软雅黑 Light" pitchFamily="34" charset="-122"/>
             </a:endParaRPr>
@@ -11419,100 +11493,6 @@
           <a:chExt cx="0" cy="0"/>
         </a:xfrm>
       </p:grpSpPr>
-      <p:sp>
-        <p:nvSpPr>
-          <p:cNvPr id="2" name="标题 1"/>
-          <p:cNvSpPr>
-            <a:spLocks noGrp="1"/>
-          </p:cNvSpPr>
-          <p:nvPr>
-            <p:ph type="title"/>
-          </p:nvPr>
-        </p:nvSpPr>
-        <p:spPr/>
-        <p:txBody>
-          <a:bodyPr/>
-          <a:lstStyle/>
-          <a:p>
-            <a:pPr algn="l"/>
-            <a:r>
-              <a:rPr lang="en-US" altLang="zh-CN" smtClean="0">
-                <a:latin typeface="微软雅黑 Light" pitchFamily="34" charset="-122"/>
-                <a:ea typeface="微软雅黑 Light" pitchFamily="34" charset="-122"/>
-              </a:rPr>
-              <a:t>  </a:t>
-            </a:r>
-            <a:r>
-              <a:rPr lang="zh-CN" altLang="en-US" smtClean="0">
-                <a:latin typeface="微软雅黑 Light" pitchFamily="34" charset="-122"/>
-                <a:ea typeface="微软雅黑 Light" pitchFamily="34" charset="-122"/>
-              </a:rPr>
-              <a:t>基数树（</a:t>
-            </a:r>
-            <a:r>
-              <a:rPr lang="en-US" altLang="zh-CN" smtClean="0">
-                <a:latin typeface="微软雅黑 Light" pitchFamily="34" charset="-122"/>
-                <a:ea typeface="微软雅黑 Light" pitchFamily="34" charset="-122"/>
-              </a:rPr>
-              <a:t>Radix Tree</a:t>
-            </a:r>
-            <a:r>
-              <a:rPr lang="zh-CN" altLang="en-US" smtClean="0">
-                <a:latin typeface="微软雅黑 Light" pitchFamily="34" charset="-122"/>
-                <a:ea typeface="微软雅黑 Light" pitchFamily="34" charset="-122"/>
-              </a:rPr>
-              <a:t>）</a:t>
-            </a:r>
-            <a:endParaRPr lang="zh-CN" altLang="en-US" dirty="0">
-              <a:latin typeface="微软雅黑 Light" pitchFamily="34" charset="-122"/>
-              <a:ea typeface="微软雅黑 Light" pitchFamily="34" charset="-122"/>
-            </a:endParaRPr>
-          </a:p>
-        </p:txBody>
-      </p:sp>
-      <p:sp>
-        <p:nvSpPr>
-          <p:cNvPr id="3" name="内容占位符 2"/>
-          <p:cNvSpPr>
-            <a:spLocks noGrp="1"/>
-          </p:cNvSpPr>
-          <p:nvPr>
-            <p:ph idx="1"/>
-          </p:nvPr>
-        </p:nvSpPr>
-        <p:spPr>
-          <a:xfrm>
-            <a:off x="457200" y="1340768"/>
-            <a:ext cx="8229600" cy="1584176"/>
-          </a:xfrm>
-        </p:spPr>
-        <p:txBody>
-          <a:bodyPr>
-            <a:normAutofit/>
-          </a:bodyPr>
-          <a:lstStyle/>
-          <a:p>
-            <a:pPr>
-              <a:lnSpc>
-                <a:spcPct val="130000"/>
-              </a:lnSpc>
-            </a:pPr>
-            <a:r>
-              <a:rPr lang="zh-CN" altLang="en-US" sz="2400" smtClean="0"/>
-              <a:t>基数树又叫压缩前缀树（</a:t>
-            </a:r>
-            <a:r>
-              <a:rPr lang="en-US" altLang="zh-CN" sz="2400" smtClean="0"/>
-              <a:t>compact prefix tree</a:t>
-            </a:r>
-            <a:r>
-              <a:rPr lang="zh-CN" altLang="en-US" sz="2400" smtClean="0"/>
-              <a:t>），是一种空间优化后的字典树，其中如果一个节点只有唯一的子节点，那么这个子节点就会与父节点合并存储</a:t>
-            </a:r>
-            <a:endParaRPr lang="en-US" altLang="zh-CN" sz="2400" dirty="0"/>
-          </a:p>
-        </p:txBody>
-      </p:sp>
       <p:pic>
         <p:nvPicPr>
           <p:cNvPr id="1026" name="Picture 2"/>
@@ -11536,8 +11516,8 @@
         </p:blipFill>
         <p:spPr bwMode="auto">
           <a:xfrm>
-            <a:off x="1338498" y="2937794"/>
-            <a:ext cx="6473862" cy="3875582"/>
+            <a:off x="1673995" y="3008345"/>
+            <a:ext cx="5634309" cy="3372983"/>
           </a:xfrm>
           <a:prstGeom prst="rect">
             <a:avLst/>
@@ -11577,6 +11557,107 @@
           </a:extLst>
         </p:spPr>
       </p:pic>
+      <p:sp>
+        <p:nvSpPr>
+          <p:cNvPr id="2" name="标题 1"/>
+          <p:cNvSpPr>
+            <a:spLocks noGrp="1"/>
+          </p:cNvSpPr>
+          <p:nvPr>
+            <p:ph type="title"/>
+          </p:nvPr>
+        </p:nvSpPr>
+        <p:spPr>
+          <a:xfrm>
+            <a:off x="457200" y="413792"/>
+            <a:ext cx="8229600" cy="1143000"/>
+          </a:xfrm>
+        </p:spPr>
+        <p:txBody>
+          <a:bodyPr>
+            <a:normAutofit/>
+          </a:bodyPr>
+          <a:lstStyle/>
+          <a:p>
+            <a:pPr algn="l"/>
+            <a:r>
+              <a:rPr lang="en-US" altLang="zh-CN" sz="3600" smtClean="0">
+                <a:latin typeface="微软雅黑 Light" pitchFamily="34" charset="-122"/>
+                <a:ea typeface="微软雅黑 Light" pitchFamily="34" charset="-122"/>
+              </a:rPr>
+              <a:t>  </a:t>
+            </a:r>
+            <a:r>
+              <a:rPr lang="zh-CN" altLang="en-US" sz="3600" smtClean="0">
+                <a:latin typeface="微软雅黑 Light" pitchFamily="34" charset="-122"/>
+                <a:ea typeface="微软雅黑 Light" pitchFamily="34" charset="-122"/>
+              </a:rPr>
+              <a:t>基数树（</a:t>
+            </a:r>
+            <a:r>
+              <a:rPr lang="en-US" altLang="zh-CN" sz="3600" smtClean="0">
+                <a:latin typeface="微软雅黑 Light" pitchFamily="34" charset="-122"/>
+                <a:ea typeface="微软雅黑 Light" pitchFamily="34" charset="-122"/>
+              </a:rPr>
+              <a:t>Radix Tree</a:t>
+            </a:r>
+            <a:r>
+              <a:rPr lang="zh-CN" altLang="en-US" sz="3600" smtClean="0">
+                <a:latin typeface="微软雅黑 Light" pitchFamily="34" charset="-122"/>
+                <a:ea typeface="微软雅黑 Light" pitchFamily="34" charset="-122"/>
+              </a:rPr>
+              <a:t>）</a:t>
+            </a:r>
+            <a:endParaRPr lang="zh-CN" altLang="en-US" sz="3600" dirty="0">
+              <a:latin typeface="微软雅黑 Light" pitchFamily="34" charset="-122"/>
+              <a:ea typeface="微软雅黑 Light" pitchFamily="34" charset="-122"/>
+            </a:endParaRPr>
+          </a:p>
+        </p:txBody>
+      </p:sp>
+      <p:sp>
+        <p:nvSpPr>
+          <p:cNvPr id="3" name="内容占位符 2"/>
+          <p:cNvSpPr>
+            <a:spLocks noGrp="1"/>
+          </p:cNvSpPr>
+          <p:nvPr>
+            <p:ph idx="1"/>
+          </p:nvPr>
+        </p:nvSpPr>
+        <p:spPr>
+          <a:xfrm>
+            <a:off x="457200" y="1340768"/>
+            <a:ext cx="8229600" cy="1584176"/>
+          </a:xfrm>
+        </p:spPr>
+        <p:txBody>
+          <a:bodyPr>
+            <a:normAutofit/>
+          </a:bodyPr>
+          <a:lstStyle/>
+          <a:p>
+            <a:pPr>
+              <a:lnSpc>
+                <a:spcPct val="130000"/>
+              </a:lnSpc>
+            </a:pPr>
+            <a:r>
+              <a:rPr lang="zh-CN" altLang="en-US" sz="2400" smtClean="0"/>
+              <a:t>基数树又叫压缩前缀树（</a:t>
+            </a:r>
+            <a:r>
+              <a:rPr lang="en-US" altLang="zh-CN" sz="2400" smtClean="0"/>
+              <a:t>compact prefix tree</a:t>
+            </a:r>
+            <a:r>
+              <a:rPr lang="zh-CN" altLang="en-US" sz="2400" smtClean="0"/>
+              <a:t>），是一种空间优化后的字典树，其中如果一个节点只有唯一的子节点，那么这个子节点就会与父节点合并存储</a:t>
+            </a:r>
+            <a:endParaRPr lang="en-US" altLang="zh-CN" sz="2400" dirty="0"/>
+          </a:p>
+        </p:txBody>
+      </p:sp>
     </p:spTree>
     <p:extLst>
       <p:ext uri="{BB962C8B-B14F-4D97-AF65-F5344CB8AC3E}">
@@ -11624,27 +11705,34 @@
             <p:ph type="title"/>
           </p:nvPr>
         </p:nvSpPr>
-        <p:spPr/>
+        <p:spPr>
+          <a:xfrm>
+            <a:off x="518864" y="413792"/>
+            <a:ext cx="8229600" cy="1143000"/>
+          </a:xfrm>
+        </p:spPr>
         <p:txBody>
-          <a:bodyPr/>
+          <a:bodyPr>
+            <a:normAutofit/>
+          </a:bodyPr>
           <a:lstStyle/>
           <a:p>
             <a:pPr algn="l"/>
             <a:r>
-              <a:rPr lang="en-US" altLang="zh-CN" smtClean="0">
+              <a:rPr lang="en-US" altLang="zh-CN" sz="3600" smtClean="0">
                 <a:latin typeface="微软雅黑 Light" pitchFamily="34" charset="-122"/>
                 <a:ea typeface="微软雅黑 Light" pitchFamily="34" charset="-122"/>
               </a:rPr>
               <a:t>  </a:t>
             </a:r>
             <a:r>
-              <a:rPr lang="zh-CN" altLang="en-US" smtClean="0">
+              <a:rPr lang="zh-CN" altLang="en-US" sz="3600" smtClean="0">
                 <a:latin typeface="微软雅黑 Light" pitchFamily="34" charset="-122"/>
                 <a:ea typeface="微软雅黑 Light" pitchFamily="34" charset="-122"/>
               </a:rPr>
               <a:t>基数树节点</a:t>
             </a:r>
-            <a:endParaRPr lang="zh-CN" altLang="en-US" dirty="0">
+            <a:endParaRPr lang="zh-CN" altLang="en-US" sz="3600" dirty="0">
               <a:latin typeface="微软雅黑 Light" pitchFamily="34" charset="-122"/>
               <a:ea typeface="微软雅黑 Light" pitchFamily="34" charset="-122"/>
             </a:endParaRPr>
@@ -11909,27 +11997,34 @@
             <p:ph type="title"/>
           </p:nvPr>
         </p:nvSpPr>
-        <p:spPr/>
+        <p:spPr>
+          <a:xfrm>
+            <a:off x="457200" y="413792"/>
+            <a:ext cx="8229600" cy="1143000"/>
+          </a:xfrm>
+        </p:spPr>
         <p:txBody>
-          <a:bodyPr/>
+          <a:bodyPr>
+            <a:normAutofit/>
+          </a:bodyPr>
           <a:lstStyle/>
           <a:p>
             <a:pPr algn="l"/>
             <a:r>
-              <a:rPr lang="en-US" altLang="zh-CN" smtClean="0">
+              <a:rPr lang="en-US" altLang="zh-CN" sz="3600" smtClean="0">
                 <a:latin typeface="微软雅黑 Light" pitchFamily="34" charset="-122"/>
                 <a:ea typeface="微软雅黑 Light" pitchFamily="34" charset="-122"/>
               </a:rPr>
               <a:t>  </a:t>
             </a:r>
             <a:r>
-              <a:rPr lang="zh-CN" altLang="en-US" smtClean="0">
+              <a:rPr lang="zh-CN" altLang="en-US" sz="3600" smtClean="0">
                 <a:latin typeface="微软雅黑 Light" pitchFamily="34" charset="-122"/>
                 <a:ea typeface="微软雅黑 Light" pitchFamily="34" charset="-122"/>
               </a:rPr>
               <a:t>示例</a:t>
             </a:r>
-            <a:endParaRPr lang="zh-CN" altLang="en-US" dirty="0">
+            <a:endParaRPr lang="zh-CN" altLang="en-US" sz="3600" dirty="0">
               <a:latin typeface="微软雅黑 Light" pitchFamily="34" charset="-122"/>
               <a:ea typeface="微软雅黑 Light" pitchFamily="34" charset="-122"/>
             </a:endParaRPr>
@@ -12201,13 +12296,13 @@
             <p:ph idx="1"/>
             <p:extLst>
               <p:ext uri="{D42A27DB-BD31-4B8C-83A1-F6EECF244321}">
-                <p14:modId xmlns:p14="http://schemas.microsoft.com/office/powerpoint/2010/main" val="1939193298"/>
+                <p14:modId xmlns:p14="http://schemas.microsoft.com/office/powerpoint/2010/main" val="4107574413"/>
               </p:ext>
             </p:extLst>
           </p:nvPr>
         </p:nvGraphicFramePr>
         <p:xfrm>
-          <a:off x="1763688" y="220578"/>
+          <a:off x="1763688" y="692696"/>
           <a:ext cx="5544616" cy="741680"/>
         </p:xfrm>
         <a:graphic>
@@ -13867,13 +13962,13 @@
           <p:nvPr>
             <p:extLst>
               <p:ext uri="{D42A27DB-BD31-4B8C-83A1-F6EECF244321}">
-                <p14:modId xmlns:p14="http://schemas.microsoft.com/office/powerpoint/2010/main" val="974535588"/>
+                <p14:modId xmlns:p14="http://schemas.microsoft.com/office/powerpoint/2010/main" val="3722899763"/>
               </p:ext>
             </p:extLst>
           </p:nvPr>
         </p:nvGraphicFramePr>
         <p:xfrm>
-          <a:off x="3131840" y="1206167"/>
+          <a:off x="3131840" y="1612280"/>
           <a:ext cx="5544616" cy="736600"/>
         </p:xfrm>
         <a:graphic>
@@ -15532,7 +15627,7 @@
         </p:nvSpPr>
         <p:spPr>
           <a:xfrm>
-            <a:off x="1043608" y="292586"/>
+            <a:off x="1043608" y="836712"/>
             <a:ext cx="648072" cy="400110"/>
           </a:xfrm>
           <a:prstGeom prst="rect">
@@ -15564,8 +15659,8 @@
         </p:nvCxnSpPr>
         <p:spPr>
           <a:xfrm>
-            <a:off x="3680901" y="796642"/>
-            <a:ext cx="2223247" cy="409525"/>
+            <a:off x="3721714" y="1202755"/>
+            <a:ext cx="2182434" cy="409525"/>
           </a:xfrm>
           <a:prstGeom prst="straightConnector1">
             <a:avLst/>
@@ -15599,13 +15694,13 @@
           <p:nvPr>
             <p:extLst>
               <p:ext uri="{D42A27DB-BD31-4B8C-83A1-F6EECF244321}">
-                <p14:modId xmlns:p14="http://schemas.microsoft.com/office/powerpoint/2010/main" val="1210515748"/>
+                <p14:modId xmlns:p14="http://schemas.microsoft.com/office/powerpoint/2010/main" val="478699257"/>
               </p:ext>
             </p:extLst>
           </p:nvPr>
         </p:nvGraphicFramePr>
         <p:xfrm>
-          <a:off x="89502" y="2186676"/>
+          <a:off x="89502" y="2548384"/>
           <a:ext cx="5544616" cy="736600"/>
         </p:xfrm>
         <a:graphic>
@@ -17266,8 +17361,8 @@
         </p:nvCxnSpPr>
         <p:spPr>
           <a:xfrm flipH="1">
-            <a:off x="2861810" y="1732746"/>
-            <a:ext cx="1638182" cy="453930"/>
+            <a:off x="2861810" y="2204864"/>
+            <a:ext cx="1638182" cy="343520"/>
           </a:xfrm>
           <a:prstGeom prst="straightConnector1">
             <a:avLst/>
@@ -17301,13 +17396,13 @@
           <p:nvPr>
             <p:extLst>
               <p:ext uri="{D42A27DB-BD31-4B8C-83A1-F6EECF244321}">
-                <p14:modId xmlns:p14="http://schemas.microsoft.com/office/powerpoint/2010/main" val="2448614929"/>
+                <p14:modId xmlns:p14="http://schemas.microsoft.com/office/powerpoint/2010/main" val="1773162576"/>
               </p:ext>
             </p:extLst>
           </p:nvPr>
         </p:nvGraphicFramePr>
         <p:xfrm>
-          <a:off x="1067881" y="3167185"/>
+          <a:off x="1067881" y="3501008"/>
           <a:ext cx="5544616" cy="736600"/>
         </p:xfrm>
         <a:graphic>
@@ -18968,7 +19063,7 @@
         </p:nvCxnSpPr>
         <p:spPr>
           <a:xfrm>
-            <a:off x="2051720" y="2735443"/>
+            <a:off x="2051720" y="3069266"/>
             <a:ext cx="1788469" cy="431742"/>
           </a:xfrm>
           <a:prstGeom prst="straightConnector1">
@@ -19003,13 +19098,13 @@
           <p:nvPr>
             <p:extLst>
               <p:ext uri="{D42A27DB-BD31-4B8C-83A1-F6EECF244321}">
-                <p14:modId xmlns:p14="http://schemas.microsoft.com/office/powerpoint/2010/main" val="1781555578"/>
+                <p14:modId xmlns:p14="http://schemas.microsoft.com/office/powerpoint/2010/main" val="3176493041"/>
               </p:ext>
             </p:extLst>
           </p:nvPr>
         </p:nvGraphicFramePr>
         <p:xfrm>
-          <a:off x="3419872" y="4147694"/>
+          <a:off x="3419872" y="4420592"/>
           <a:ext cx="5544616" cy="736600"/>
         </p:xfrm>
         <a:graphic>
@@ -20670,7 +20765,7 @@
         </p:nvCxnSpPr>
         <p:spPr>
           <a:xfrm>
-            <a:off x="5724128" y="3820978"/>
+            <a:off x="5724128" y="4093876"/>
             <a:ext cx="468052" cy="326716"/>
           </a:xfrm>
           <a:prstGeom prst="straightConnector1">
@@ -20705,13 +20800,13 @@
           <p:nvPr>
             <p:extLst>
               <p:ext uri="{D42A27DB-BD31-4B8C-83A1-F6EECF244321}">
-                <p14:modId xmlns:p14="http://schemas.microsoft.com/office/powerpoint/2010/main" val="1763700729"/>
+                <p14:modId xmlns:p14="http://schemas.microsoft.com/office/powerpoint/2010/main" val="801840878"/>
               </p:ext>
             </p:extLst>
           </p:nvPr>
         </p:nvGraphicFramePr>
         <p:xfrm>
-          <a:off x="1187624" y="5128203"/>
+          <a:off x="1187624" y="5373216"/>
           <a:ext cx="5544616" cy="736600"/>
         </p:xfrm>
         <a:graphic>
@@ -22372,7 +22467,7 @@
         </p:nvCxnSpPr>
         <p:spPr>
           <a:xfrm flipH="1">
-            <a:off x="3959932" y="4685074"/>
+            <a:off x="3959932" y="4930087"/>
             <a:ext cx="1404156" cy="443129"/>
           </a:xfrm>
           <a:prstGeom prst="straightConnector1">
@@ -22407,13 +22502,13 @@
           <p:nvPr>
             <p:extLst>
               <p:ext uri="{D42A27DB-BD31-4B8C-83A1-F6EECF244321}">
-                <p14:modId xmlns:p14="http://schemas.microsoft.com/office/powerpoint/2010/main" val="187654315"/>
+                <p14:modId xmlns:p14="http://schemas.microsoft.com/office/powerpoint/2010/main" val="3354396665"/>
               </p:ext>
             </p:extLst>
           </p:nvPr>
         </p:nvGraphicFramePr>
         <p:xfrm>
-          <a:off x="3995936" y="6269250"/>
+          <a:off x="3995936" y="6341258"/>
           <a:ext cx="864096" cy="365760"/>
         </p:xfrm>
         <a:graphic>
@@ -22491,8 +22586,8 @@
         </p:nvCxnSpPr>
         <p:spPr>
           <a:xfrm>
-            <a:off x="3419872" y="5693186"/>
-            <a:ext cx="1008112" cy="576064"/>
+            <a:off x="3419872" y="5898444"/>
+            <a:ext cx="1008112" cy="442814"/>
           </a:xfrm>
           <a:prstGeom prst="straightConnector1">
             <a:avLst/>
@@ -22525,7 +22620,7 @@
         </p:nvSpPr>
         <p:spPr>
           <a:xfrm>
-            <a:off x="4400364" y="900588"/>
+            <a:off x="4616388" y="1362254"/>
             <a:ext cx="459668" cy="338554"/>
           </a:xfrm>
           <a:prstGeom prst="rect">
@@ -22556,7 +22651,7 @@
         </p:nvSpPr>
         <p:spPr>
           <a:xfrm>
-            <a:off x="2528156" y="2884874"/>
+            <a:off x="2600164" y="3212976"/>
             <a:ext cx="459668" cy="338554"/>
           </a:xfrm>
           <a:prstGeom prst="rect">
@@ -22587,7 +22682,7 @@
         </p:nvSpPr>
         <p:spPr>
           <a:xfrm>
-            <a:off x="4544380" y="4824072"/>
+            <a:off x="4427984" y="5106670"/>
             <a:ext cx="459668" cy="338554"/>
           </a:xfrm>
           <a:prstGeom prst="rect">
@@ -22618,7 +22713,7 @@
         </p:nvSpPr>
         <p:spPr>
           <a:xfrm>
-            <a:off x="3491880" y="1898248"/>
+            <a:off x="3419872" y="2276872"/>
             <a:ext cx="459668" cy="338554"/>
           </a:xfrm>
           <a:prstGeom prst="rect">
@@ -22649,7 +22744,7 @@
         </p:nvSpPr>
         <p:spPr>
           <a:xfrm>
-            <a:off x="5506988" y="3855716"/>
+            <a:off x="5652120" y="4170566"/>
             <a:ext cx="459668" cy="338554"/>
           </a:xfrm>
           <a:prstGeom prst="rect">
@@ -22679,7 +22774,7 @@
         </p:nvSpPr>
         <p:spPr>
           <a:xfrm>
-            <a:off x="3872676" y="5826436"/>
+            <a:off x="3608276" y="6042774"/>
             <a:ext cx="459668" cy="338554"/>
           </a:xfrm>
           <a:prstGeom prst="rect">
@@ -22710,7 +22805,7 @@
         </p:nvSpPr>
         <p:spPr>
           <a:xfrm>
-            <a:off x="2757990" y="6269250"/>
+            <a:off x="2757990" y="6341258"/>
             <a:ext cx="648072" cy="400110"/>
           </a:xfrm>
           <a:prstGeom prst="rect">
@@ -22779,34 +22874,41 @@
             <p:ph type="title"/>
           </p:nvPr>
         </p:nvSpPr>
-        <p:spPr/>
+        <p:spPr>
+          <a:xfrm>
+            <a:off x="457200" y="413792"/>
+            <a:ext cx="8229600" cy="1143000"/>
+          </a:xfrm>
+        </p:spPr>
         <p:txBody>
-          <a:bodyPr/>
+          <a:bodyPr>
+            <a:normAutofit/>
+          </a:bodyPr>
           <a:lstStyle/>
           <a:p>
             <a:pPr algn="l"/>
             <a:r>
-              <a:rPr lang="en-US" altLang="zh-CN" smtClean="0">
+              <a:rPr lang="en-US" altLang="zh-CN" sz="3600" smtClean="0">
                 <a:latin typeface="微软雅黑 Light" pitchFamily="34" charset="-122"/>
                 <a:ea typeface="微软雅黑 Light" pitchFamily="34" charset="-122"/>
               </a:rPr>
               <a:t>  </a:t>
             </a:r>
             <a:r>
-              <a:rPr lang="zh-CN" altLang="en-US">
+              <a:rPr lang="zh-CN" altLang="en-US" sz="3600">
                 <a:latin typeface="微软雅黑 Light" pitchFamily="34" charset="-122"/>
                 <a:ea typeface="微软雅黑 Light" pitchFamily="34" charset="-122"/>
               </a:rPr>
               <a:t>基数</a:t>
             </a:r>
             <a:r>
-              <a:rPr lang="zh-CN" altLang="en-US" smtClean="0">
+              <a:rPr lang="zh-CN" altLang="en-US" sz="3600" smtClean="0">
                 <a:latin typeface="微软雅黑 Light" pitchFamily="34" charset="-122"/>
                 <a:ea typeface="微软雅黑 Light" pitchFamily="34" charset="-122"/>
               </a:rPr>
               <a:t>树的问题</a:t>
             </a:r>
-            <a:endParaRPr lang="zh-CN" altLang="en-US" dirty="0">
+            <a:endParaRPr lang="zh-CN" altLang="en-US" sz="3600" dirty="0">
               <a:latin typeface="微软雅黑 Light" pitchFamily="34" charset="-122"/>
               <a:ea typeface="微软雅黑 Light" pitchFamily="34" charset="-122"/>
             </a:endParaRPr>
@@ -23015,48 +23117,55 @@
             <p:ph type="title"/>
           </p:nvPr>
         </p:nvSpPr>
-        <p:spPr/>
+        <p:spPr>
+          <a:xfrm>
+            <a:off x="457200" y="413792"/>
+            <a:ext cx="8229600" cy="1143000"/>
+          </a:xfrm>
+        </p:spPr>
         <p:txBody>
-          <a:bodyPr/>
+          <a:bodyPr>
+            <a:normAutofit/>
+          </a:bodyPr>
           <a:lstStyle/>
           <a:p>
             <a:pPr algn="l"/>
             <a:r>
-              <a:rPr lang="en-US" altLang="zh-CN" smtClean="0">
+              <a:rPr lang="en-US" altLang="zh-CN" sz="3600" smtClean="0">
                 <a:latin typeface="微软雅黑 Light" pitchFamily="34" charset="-122"/>
                 <a:ea typeface="微软雅黑 Light" pitchFamily="34" charset="-122"/>
               </a:rPr>
               <a:t>  </a:t>
             </a:r>
             <a:r>
-              <a:rPr lang="zh-CN" altLang="en-US" smtClean="0">
+              <a:rPr lang="zh-CN" altLang="en-US" sz="3600" smtClean="0">
                 <a:latin typeface="微软雅黑 Light" pitchFamily="34" charset="-122"/>
                 <a:ea typeface="微软雅黑 Light" pitchFamily="34" charset="-122"/>
               </a:rPr>
               <a:t>梅克尔树（</a:t>
             </a:r>
             <a:r>
-              <a:rPr lang="en-US" altLang="zh-CN">
+              <a:rPr lang="en-US" altLang="zh-CN" sz="3600">
                 <a:latin typeface="微软雅黑 Light" pitchFamily="34" charset="-122"/>
                 <a:ea typeface="微软雅黑 Light" pitchFamily="34" charset="-122"/>
               </a:rPr>
               <a:t>Merkel</a:t>
             </a:r>
             <a:r>
-              <a:rPr lang="en-US" altLang="zh-CN" smtClean="0">
+              <a:rPr lang="en-US" altLang="zh-CN" sz="3600" smtClean="0">
                 <a:latin typeface="微软雅黑 Light" pitchFamily="34" charset="-122"/>
                 <a:ea typeface="微软雅黑 Light" pitchFamily="34" charset="-122"/>
               </a:rPr>
               <a:t> Tree</a:t>
             </a:r>
             <a:r>
-              <a:rPr lang="zh-CN" altLang="en-US" smtClean="0">
+              <a:rPr lang="zh-CN" altLang="en-US" sz="3600" smtClean="0">
                 <a:latin typeface="微软雅黑 Light" pitchFamily="34" charset="-122"/>
                 <a:ea typeface="微软雅黑 Light" pitchFamily="34" charset="-122"/>
               </a:rPr>
               <a:t>）</a:t>
             </a:r>
-            <a:endParaRPr lang="zh-CN" altLang="en-US" dirty="0">
+            <a:endParaRPr lang="zh-CN" altLang="en-US" sz="3600" dirty="0">
               <a:latin typeface="微软雅黑 Light" pitchFamily="34" charset="-122"/>
               <a:ea typeface="微软雅黑 Light" pitchFamily="34" charset="-122"/>
             </a:endParaRPr>
@@ -23169,8 +23278,8 @@
         </p:blipFill>
         <p:spPr bwMode="auto">
           <a:xfrm>
-            <a:off x="1339924" y="2420888"/>
-            <a:ext cx="7048500" cy="4410075"/>
+            <a:off x="1397157" y="2204864"/>
+            <a:ext cx="6703235" cy="4194051"/>
           </a:xfrm>
           <a:prstGeom prst="rect">
             <a:avLst/>
